--- a/Documents/Sprint 1/Santa Cruz Housing Crisis.pptx
+++ b/Documents/Sprint 1/Santa Cruz Housing Crisis.pptx
@@ -231,6 +231,11 @@
       </a:defRPr>
     </a:lvl9pPr>
   </p:defaultTextStyle>
+  <p:extLst>
+    <p:ext uri="{EFAFB233-063F-42B5-8137-9DF3F51BA10A}">
+      <p15:sldGuideLst xmlns:p15="http://schemas.microsoft.com/office/powerpoint/2012/main"/>
+    </p:ext>
+  </p:extLst>
 </p:presentation>
 </file>
 
@@ -16961,7 +16966,25 @@
                 <a:cs typeface="Times New Roman"/>
                 <a:sym typeface="Times New Roman"/>
               </a:rPr>
-              <a:t>Ruby, PostgreSQL</a:t>
+              <a:t>Ruby</a:t>
+            </a:r>
+            <a:r>
+              <a:rPr lang="en-US" sz="3000" smtClean="0">
+                <a:latin typeface="Times New Roman"/>
+                <a:ea typeface="Times New Roman"/>
+                <a:cs typeface="Times New Roman"/>
+                <a:sym typeface="Times New Roman"/>
+              </a:rPr>
+              <a:t>, </a:t>
+            </a:r>
+            <a:r>
+              <a:rPr lang="en-US" sz="3000" smtClean="0">
+                <a:latin typeface="Times New Roman"/>
+                <a:ea typeface="Times New Roman"/>
+                <a:cs typeface="Times New Roman"/>
+                <a:sym typeface="Times New Roman"/>
+              </a:rPr>
+              <a:t>SQLite, </a:t>
             </a:r>
             <a:r>
               <a:rPr lang="en-US" sz="3000" dirty="0">
@@ -16970,7 +16993,7 @@
                 <a:cs typeface="Times New Roman"/>
                 <a:sym typeface="Times New Roman"/>
               </a:rPr>
-              <a:t>, HTML, CSS, and </a:t>
+              <a:t>HTML, CSS, and </a:t>
             </a:r>
             <a:r>
               <a:rPr lang="en-US" sz="3000" dirty="0" err="1" smtClean="0">
